--- a/pisco_proposal/figures/figure_rainfall.pptx
+++ b/pisco_proposal/figures/figure_rainfall.pptx
@@ -104,6 +104,11 @@
       </a:defRPr>
     </a:lvl9pPr>
   </p:defaultTextStyle>
+  <p:extLst>
+    <p:ext uri="{EFAFB233-063F-42B5-8137-9DF3F51BA10A}">
+      <p15:sldGuideLst xmlns:p15="http://schemas.microsoft.com/office/powerpoint/2012/main"/>
+    </p:ext>
+  </p:extLst>
 </p:presentation>
 </file>
 
@@ -3323,10 +3328,10 @@
       </p:grpSpPr>
       <p:grpSp>
         <p:nvGrpSpPr>
-          <p:cNvPr id="29" name="Group 28">
-            <a:extLst>
-              <a:ext uri="{FF2B5EF4-FFF2-40B4-BE49-F238E27FC236}">
-                <a16:creationId xmlns:a16="http://schemas.microsoft.com/office/drawing/2014/main" id="{2ABCD0C4-DCD6-DE46-8709-3332C2035102}"/>
+          <p:cNvPr id="17" name="Group 16">
+            <a:extLst>
+              <a:ext uri="{FF2B5EF4-FFF2-40B4-BE49-F238E27FC236}">
+                <a16:creationId xmlns:a16="http://schemas.microsoft.com/office/drawing/2014/main" id="{D31EE7BE-674B-2A4B-B0DE-138F9C3F6076}"/>
               </a:ext>
             </a:extLst>
           </p:cNvPr>
@@ -3343,10 +3348,10 @@
         </p:grpSpPr>
         <p:pic>
           <p:nvPicPr>
-            <p:cNvPr id="11" name="Picture 10">
+            <p:cNvPr id="4" name="Picture 3">
               <a:extLst>
                 <a:ext uri="{FF2B5EF4-FFF2-40B4-BE49-F238E27FC236}">
-                  <a16:creationId xmlns:a16="http://schemas.microsoft.com/office/drawing/2014/main" id="{D1BC3728-2D53-0C47-BD22-6979AEFBAB67}"/>
+                  <a16:creationId xmlns:a16="http://schemas.microsoft.com/office/drawing/2014/main" id="{C6A00735-B2F8-E446-AFF7-7DFBA0110CD4}"/>
                 </a:ext>
               </a:extLst>
             </p:cNvPr>
@@ -3373,10 +3378,10 @@
         </p:pic>
         <p:pic>
           <p:nvPicPr>
-            <p:cNvPr id="17" name="Picture 16">
+            <p:cNvPr id="6" name="Picture 5">
               <a:extLst>
                 <a:ext uri="{FF2B5EF4-FFF2-40B4-BE49-F238E27FC236}">
-                  <a16:creationId xmlns:a16="http://schemas.microsoft.com/office/drawing/2014/main" id="{3BA01DD5-EF84-4A41-AD63-012B8D12D751}"/>
+                  <a16:creationId xmlns:a16="http://schemas.microsoft.com/office/drawing/2014/main" id="{607F938F-6E3D-DE42-B951-89C214BAC93D}"/>
                 </a:ext>
               </a:extLst>
             </p:cNvPr>
@@ -3393,8 +3398,8 @@
           </p:blipFill>
           <p:spPr>
             <a:xfrm>
-              <a:off x="1957874" y="2351313"/>
-              <a:ext cx="2848170" cy="1553547"/>
+              <a:off x="2054101" y="2359768"/>
+              <a:ext cx="2832667" cy="1545091"/>
             </a:xfrm>
             <a:prstGeom prst="rect">
               <a:avLst/>
@@ -3403,10 +3408,10 @@
         </p:pic>
         <p:cxnSp>
           <p:nvCxnSpPr>
-            <p:cNvPr id="19" name="Straight Arrow Connector 18">
+            <p:cNvPr id="22" name="Straight Arrow Connector 21">
               <a:extLst>
                 <a:ext uri="{FF2B5EF4-FFF2-40B4-BE49-F238E27FC236}">
-                  <a16:creationId xmlns:a16="http://schemas.microsoft.com/office/drawing/2014/main" id="{7559DF7F-1A7A-6E4E-BF02-8925466C305A}"/>
+                  <a16:creationId xmlns:a16="http://schemas.microsoft.com/office/drawing/2014/main" id="{F1B233C3-F024-F440-8021-27A3F1D30A24}"/>
                 </a:ext>
               </a:extLst>
             </p:cNvPr>
@@ -3417,15 +3422,15 @@
           </p:nvCxnSpPr>
           <p:spPr>
             <a:xfrm>
-              <a:off x="2830450" y="1461138"/>
-              <a:ext cx="623401" cy="1645401"/>
+              <a:off x="634482" y="1875453"/>
+              <a:ext cx="1968759" cy="774441"/>
             </a:xfrm>
             <a:prstGeom prst="straightConnector1">
               <a:avLst/>
             </a:prstGeom>
             <a:ln w="31750">
               <a:solidFill>
-                <a:srgbClr val="FF0000"/>
+                <a:srgbClr val="0432FF"/>
               </a:solidFill>
               <a:tailEnd type="triangle"/>
             </a:ln>
@@ -3447,10 +3452,10 @@
         </p:cxnSp>
         <p:cxnSp>
           <p:nvCxnSpPr>
-            <p:cNvPr id="22" name="Straight Arrow Connector 21">
+            <p:cNvPr id="19" name="Straight Arrow Connector 18">
               <a:extLst>
                 <a:ext uri="{FF2B5EF4-FFF2-40B4-BE49-F238E27FC236}">
-                  <a16:creationId xmlns:a16="http://schemas.microsoft.com/office/drawing/2014/main" id="{F1B233C3-F024-F440-8021-27A3F1D30A24}"/>
+                  <a16:creationId xmlns:a16="http://schemas.microsoft.com/office/drawing/2014/main" id="{7559DF7F-1A7A-6E4E-BF02-8925466C305A}"/>
                 </a:ext>
               </a:extLst>
             </p:cNvPr>
@@ -3460,16 +3465,16 @@
             <p:nvPr/>
           </p:nvCxnSpPr>
           <p:spPr>
-            <a:xfrm>
-              <a:off x="606490" y="1875453"/>
-              <a:ext cx="2033764" cy="1007026"/>
+            <a:xfrm flipV="1">
+              <a:off x="4152123" y="3385097"/>
+              <a:ext cx="68651" cy="3295624"/>
             </a:xfrm>
             <a:prstGeom prst="straightConnector1">
               <a:avLst/>
             </a:prstGeom>
             <a:ln w="31750">
               <a:solidFill>
-                <a:srgbClr val="0432FF"/>
+                <a:srgbClr val="FF0000"/>
               </a:solidFill>
               <a:tailEnd type="triangle"/>
             </a:ln>

--- a/pisco_proposal/figures/figure_rainfall.pptx
+++ b/pisco_proposal/figures/figure_rainfall.pptx
@@ -6,6 +6,8 @@
   </p:sldMasterIdLst>
   <p:sldIdLst>
     <p:sldId id="256" r:id="rId2"/>
+    <p:sldId id="258" r:id="rId3"/>
+    <p:sldId id="257" r:id="rId4"/>
   </p:sldIdLst>
   <p:sldSz cx="12192000" cy="6858000"/>
   <p:notesSz cx="6858000" cy="9144000"/>
@@ -259,7 +261,7 @@
           <a:p>
             <a:fld id="{37568318-102A-E449-963F-82EB5C91DEB7}" type="datetimeFigureOut">
               <a:rPr lang="en-US" smtClean="0"/>
-              <a:t>11/4/19</a:t>
+              <a:t>11/7/19</a:t>
             </a:fld>
             <a:endParaRPr lang="en-US"/>
           </a:p>
@@ -457,7 +459,7 @@
           <a:p>
             <a:fld id="{37568318-102A-E449-963F-82EB5C91DEB7}" type="datetimeFigureOut">
               <a:rPr lang="en-US" smtClean="0"/>
-              <a:t>11/4/19</a:t>
+              <a:t>11/7/19</a:t>
             </a:fld>
             <a:endParaRPr lang="en-US"/>
           </a:p>
@@ -665,7 +667,7 @@
           <a:p>
             <a:fld id="{37568318-102A-E449-963F-82EB5C91DEB7}" type="datetimeFigureOut">
               <a:rPr lang="en-US" smtClean="0"/>
-              <a:t>11/4/19</a:t>
+              <a:t>11/7/19</a:t>
             </a:fld>
             <a:endParaRPr lang="en-US"/>
           </a:p>
@@ -863,7 +865,7 @@
           <a:p>
             <a:fld id="{37568318-102A-E449-963F-82EB5C91DEB7}" type="datetimeFigureOut">
               <a:rPr lang="en-US" smtClean="0"/>
-              <a:t>11/4/19</a:t>
+              <a:t>11/7/19</a:t>
             </a:fld>
             <a:endParaRPr lang="en-US"/>
           </a:p>
@@ -1138,7 +1140,7 @@
           <a:p>
             <a:fld id="{37568318-102A-E449-963F-82EB5C91DEB7}" type="datetimeFigureOut">
               <a:rPr lang="en-US" smtClean="0"/>
-              <a:t>11/4/19</a:t>
+              <a:t>11/7/19</a:t>
             </a:fld>
             <a:endParaRPr lang="en-US"/>
           </a:p>
@@ -1403,7 +1405,7 @@
           <a:p>
             <a:fld id="{37568318-102A-E449-963F-82EB5C91DEB7}" type="datetimeFigureOut">
               <a:rPr lang="en-US" smtClean="0"/>
-              <a:t>11/4/19</a:t>
+              <a:t>11/7/19</a:t>
             </a:fld>
             <a:endParaRPr lang="en-US"/>
           </a:p>
@@ -1815,7 +1817,7 @@
           <a:p>
             <a:fld id="{37568318-102A-E449-963F-82EB5C91DEB7}" type="datetimeFigureOut">
               <a:rPr lang="en-US" smtClean="0"/>
-              <a:t>11/4/19</a:t>
+              <a:t>11/7/19</a:t>
             </a:fld>
             <a:endParaRPr lang="en-US"/>
           </a:p>
@@ -1956,7 +1958,7 @@
           <a:p>
             <a:fld id="{37568318-102A-E449-963F-82EB5C91DEB7}" type="datetimeFigureOut">
               <a:rPr lang="en-US" smtClean="0"/>
-              <a:t>11/4/19</a:t>
+              <a:t>11/7/19</a:t>
             </a:fld>
             <a:endParaRPr lang="en-US"/>
           </a:p>
@@ -2069,7 +2071,7 @@
           <a:p>
             <a:fld id="{37568318-102A-E449-963F-82EB5C91DEB7}" type="datetimeFigureOut">
               <a:rPr lang="en-US" smtClean="0"/>
-              <a:t>11/4/19</a:t>
+              <a:t>11/7/19</a:t>
             </a:fld>
             <a:endParaRPr lang="en-US"/>
           </a:p>
@@ -2380,7 +2382,7 @@
           <a:p>
             <a:fld id="{37568318-102A-E449-963F-82EB5C91DEB7}" type="datetimeFigureOut">
               <a:rPr lang="en-US" smtClean="0"/>
-              <a:t>11/4/19</a:t>
+              <a:t>11/7/19</a:t>
             </a:fld>
             <a:endParaRPr lang="en-US"/>
           </a:p>
@@ -2668,7 +2670,7 @@
           <a:p>
             <a:fld id="{37568318-102A-E449-963F-82EB5C91DEB7}" type="datetimeFigureOut">
               <a:rPr lang="en-US" smtClean="0"/>
-              <a:t>11/4/19</a:t>
+              <a:t>11/7/19</a:t>
             </a:fld>
             <a:endParaRPr lang="en-US"/>
           </a:p>
@@ -2909,7 +2911,7 @@
           <a:p>
             <a:fld id="{37568318-102A-E449-963F-82EB5C91DEB7}" type="datetimeFigureOut">
               <a:rPr lang="en-US" smtClean="0"/>
-              <a:t>11/4/19</a:t>
+              <a:t>11/7/19</a:t>
             </a:fld>
             <a:endParaRPr lang="en-US"/>
           </a:p>
@@ -3328,10 +3330,10 @@
       </p:grpSpPr>
       <p:grpSp>
         <p:nvGrpSpPr>
-          <p:cNvPr id="17" name="Group 16">
-            <a:extLst>
-              <a:ext uri="{FF2B5EF4-FFF2-40B4-BE49-F238E27FC236}">
-                <a16:creationId xmlns:a16="http://schemas.microsoft.com/office/drawing/2014/main" id="{D31EE7BE-674B-2A4B-B0DE-138F9C3F6076}"/>
+          <p:cNvPr id="10" name="Group 9">
+            <a:extLst>
+              <a:ext uri="{FF2B5EF4-FFF2-40B4-BE49-F238E27FC236}">
+                <a16:creationId xmlns:a16="http://schemas.microsoft.com/office/drawing/2014/main" id="{88041BB3-C9B5-F84A-B9E9-67016E38EB2F}"/>
               </a:ext>
             </a:extLst>
           </p:cNvPr>
@@ -3378,10 +3380,10 @@
         </p:pic>
         <p:pic>
           <p:nvPicPr>
-            <p:cNvPr id="6" name="Picture 5">
+            <p:cNvPr id="5" name="Picture 4">
               <a:extLst>
                 <a:ext uri="{FF2B5EF4-FFF2-40B4-BE49-F238E27FC236}">
-                  <a16:creationId xmlns:a16="http://schemas.microsoft.com/office/drawing/2014/main" id="{607F938F-6E3D-DE42-B951-89C214BAC93D}"/>
+                  <a16:creationId xmlns:a16="http://schemas.microsoft.com/office/drawing/2014/main" id="{1F48A03C-F453-DD48-8523-3E0D197CBBD3}"/>
                 </a:ext>
               </a:extLst>
             </p:cNvPr>
@@ -3398,8 +3400,8 @@
           </p:blipFill>
           <p:spPr>
             <a:xfrm>
-              <a:off x="2054101" y="2359768"/>
-              <a:ext cx="2832667" cy="1545091"/>
+              <a:off x="2054101" y="2423441"/>
+              <a:ext cx="2832667" cy="1416334"/>
             </a:xfrm>
             <a:prstGeom prst="rect">
               <a:avLst/>
@@ -3423,7 +3425,7 @@
           <p:spPr>
             <a:xfrm>
               <a:off x="634482" y="1875453"/>
-              <a:ext cx="1968759" cy="774441"/>
+              <a:ext cx="1887654" cy="747167"/>
             </a:xfrm>
             <a:prstGeom prst="straightConnector1">
               <a:avLst/>
@@ -3465,9 +3467,178 @@
             <p:nvPr/>
           </p:nvCxnSpPr>
           <p:spPr>
-            <a:xfrm flipV="1">
-              <a:off x="4152123" y="3385097"/>
-              <a:ext cx="68651" cy="3295624"/>
+            <a:xfrm flipH="1" flipV="1">
+              <a:off x="3275763" y="3429000"/>
+              <a:ext cx="876361" cy="3251721"/>
+            </a:xfrm>
+            <a:prstGeom prst="straightConnector1">
+              <a:avLst/>
+            </a:prstGeom>
+            <a:ln w="31750">
+              <a:solidFill>
+                <a:srgbClr val="FF0000"/>
+              </a:solidFill>
+              <a:tailEnd type="triangle"/>
+            </a:ln>
+          </p:spPr>
+          <p:style>
+            <a:lnRef idx="1">
+              <a:schemeClr val="accent1"/>
+            </a:lnRef>
+            <a:fillRef idx="0">
+              <a:schemeClr val="accent1"/>
+            </a:fillRef>
+            <a:effectRef idx="0">
+              <a:schemeClr val="accent1"/>
+            </a:effectRef>
+            <a:fontRef idx="minor">
+              <a:schemeClr val="tx1"/>
+            </a:fontRef>
+          </p:style>
+        </p:cxnSp>
+      </p:grpSp>
+      <p:grpSp>
+        <p:nvGrpSpPr>
+          <p:cNvPr id="8" name="Group 7">
+            <a:extLst>
+              <a:ext uri="{FF2B5EF4-FFF2-40B4-BE49-F238E27FC236}">
+                <a16:creationId xmlns:a16="http://schemas.microsoft.com/office/drawing/2014/main" id="{20847BAC-0FE5-D248-BE7C-7073A1092996}"/>
+              </a:ext>
+            </a:extLst>
+          </p:cNvPr>
+          <p:cNvGrpSpPr/>
+          <p:nvPr/>
+        </p:nvGrpSpPr>
+        <p:grpSpPr>
+          <a:xfrm>
+            <a:off x="6533949" y="0"/>
+            <a:ext cx="4886768" cy="6858000"/>
+            <a:chOff x="6533949" y="0"/>
+            <a:chExt cx="4886768" cy="6858000"/>
+          </a:xfrm>
+        </p:grpSpPr>
+        <p:pic>
+          <p:nvPicPr>
+            <p:cNvPr id="11" name="Picture 10">
+              <a:extLst>
+                <a:ext uri="{FF2B5EF4-FFF2-40B4-BE49-F238E27FC236}">
+                  <a16:creationId xmlns:a16="http://schemas.microsoft.com/office/drawing/2014/main" id="{C8AA56EA-D89E-0840-8066-DCA4F887F0E4}"/>
+                </a:ext>
+              </a:extLst>
+            </p:cNvPr>
+            <p:cNvPicPr>
+              <a:picLocks noChangeAspect="1"/>
+            </p:cNvPicPr>
+            <p:nvPr/>
+          </p:nvPicPr>
+          <p:blipFill>
+            <a:blip r:embed="rId2"/>
+            <a:stretch>
+              <a:fillRect/>
+            </a:stretch>
+          </p:blipFill>
+          <p:spPr>
+            <a:xfrm>
+              <a:off x="6533949" y="0"/>
+              <a:ext cx="4886768" cy="6858000"/>
+            </a:xfrm>
+            <a:prstGeom prst="rect">
+              <a:avLst/>
+            </a:prstGeom>
+          </p:spPr>
+        </p:pic>
+        <p:pic>
+          <p:nvPicPr>
+            <p:cNvPr id="3" name="Picture 2">
+              <a:extLst>
+                <a:ext uri="{FF2B5EF4-FFF2-40B4-BE49-F238E27FC236}">
+                  <a16:creationId xmlns:a16="http://schemas.microsoft.com/office/drawing/2014/main" id="{3B8279CB-745B-E141-89FF-28A2B43D6689}"/>
+                </a:ext>
+              </a:extLst>
+            </p:cNvPr>
+            <p:cNvPicPr>
+              <a:picLocks noChangeAspect="1"/>
+            </p:cNvPicPr>
+            <p:nvPr/>
+          </p:nvPicPr>
+          <p:blipFill>
+            <a:blip r:embed="rId4"/>
+            <a:stretch>
+              <a:fillRect/>
+            </a:stretch>
+          </p:blipFill>
+          <p:spPr>
+            <a:xfrm>
+              <a:off x="8588050" y="2423441"/>
+              <a:ext cx="2832667" cy="1416334"/>
+            </a:xfrm>
+            <a:prstGeom prst="rect">
+              <a:avLst/>
+            </a:prstGeom>
+          </p:spPr>
+        </p:pic>
+        <p:cxnSp>
+          <p:nvCxnSpPr>
+            <p:cNvPr id="13" name="Straight Arrow Connector 12">
+              <a:extLst>
+                <a:ext uri="{FF2B5EF4-FFF2-40B4-BE49-F238E27FC236}">
+                  <a16:creationId xmlns:a16="http://schemas.microsoft.com/office/drawing/2014/main" id="{F44900EF-FD4C-014D-8563-F5BD54EC0F89}"/>
+                </a:ext>
+              </a:extLst>
+            </p:cNvPr>
+            <p:cNvCxnSpPr>
+              <a:cxnSpLocks/>
+            </p:cNvCxnSpPr>
+            <p:nvPr/>
+          </p:nvCxnSpPr>
+          <p:spPr>
+            <a:xfrm>
+              <a:off x="7168431" y="1875453"/>
+              <a:ext cx="1946693" cy="1041002"/>
+            </a:xfrm>
+            <a:prstGeom prst="straightConnector1">
+              <a:avLst/>
+            </a:prstGeom>
+            <a:ln w="31750">
+              <a:solidFill>
+                <a:srgbClr val="0432FF"/>
+              </a:solidFill>
+              <a:tailEnd type="triangle"/>
+            </a:ln>
+          </p:spPr>
+          <p:style>
+            <a:lnRef idx="1">
+              <a:schemeClr val="accent1"/>
+            </a:lnRef>
+            <a:fillRef idx="0">
+              <a:schemeClr val="accent1"/>
+            </a:fillRef>
+            <a:effectRef idx="0">
+              <a:schemeClr val="accent1"/>
+            </a:effectRef>
+            <a:fontRef idx="minor">
+              <a:schemeClr val="tx1"/>
+            </a:fontRef>
+          </p:style>
+        </p:cxnSp>
+        <p:cxnSp>
+          <p:nvCxnSpPr>
+            <p:cNvPr id="14" name="Straight Arrow Connector 13">
+              <a:extLst>
+                <a:ext uri="{FF2B5EF4-FFF2-40B4-BE49-F238E27FC236}">
+                  <a16:creationId xmlns:a16="http://schemas.microsoft.com/office/drawing/2014/main" id="{CFE82A77-D8FA-654A-B5CB-8C4B96E66B62}"/>
+                </a:ext>
+              </a:extLst>
+            </p:cNvPr>
+            <p:cNvCxnSpPr>
+              <a:cxnSpLocks/>
+            </p:cNvCxnSpPr>
+            <p:nvPr/>
+          </p:nvCxnSpPr>
+          <p:spPr>
+            <a:xfrm flipH="1" flipV="1">
+              <a:off x="9846644" y="3513221"/>
+              <a:ext cx="839430" cy="3167501"/>
             </a:xfrm>
             <a:prstGeom prst="straightConnector1">
               <a:avLst/>
@@ -3499,6 +3670,496 @@
     <p:extLst>
       <p:ext uri="{BB962C8B-B14F-4D97-AF65-F5344CB8AC3E}">
         <p14:creationId xmlns:p14="http://schemas.microsoft.com/office/powerpoint/2010/main" val="3203177697"/>
+      </p:ext>
+    </p:extLst>
+  </p:cSld>
+  <p:clrMapOvr>
+    <a:masterClrMapping/>
+  </p:clrMapOvr>
+</p:sld>
+</file>
+
+<file path=ppt/slides/slide2.xml><?xml version="1.0" encoding="utf-8"?>
+<p:sld xmlns:a="http://schemas.openxmlformats.org/drawingml/2006/main" xmlns:r="http://schemas.openxmlformats.org/officeDocument/2006/relationships" xmlns:p="http://schemas.openxmlformats.org/presentationml/2006/main">
+  <p:cSld>
+    <p:spTree>
+      <p:nvGrpSpPr>
+        <p:cNvPr id="1" name=""/>
+        <p:cNvGrpSpPr/>
+        <p:nvPr/>
+      </p:nvGrpSpPr>
+      <p:grpSpPr>
+        <a:xfrm>
+          <a:off x="0" y="0"/>
+          <a:ext cx="0" cy="0"/>
+          <a:chOff x="0" y="0"/>
+          <a:chExt cx="0" cy="0"/>
+        </a:xfrm>
+      </p:grpSpPr>
+      <p:grpSp>
+        <p:nvGrpSpPr>
+          <p:cNvPr id="30" name="Group 29">
+            <a:extLst>
+              <a:ext uri="{FF2B5EF4-FFF2-40B4-BE49-F238E27FC236}">
+                <a16:creationId xmlns:a16="http://schemas.microsoft.com/office/drawing/2014/main" id="{1EF7F4CF-1CD8-FB41-95C1-ACB4A44197E3}"/>
+              </a:ext>
+            </a:extLst>
+          </p:cNvPr>
+          <p:cNvGrpSpPr/>
+          <p:nvPr/>
+        </p:nvGrpSpPr>
+        <p:grpSpPr>
+          <a:xfrm>
+            <a:off x="0" y="0"/>
+            <a:ext cx="4886768" cy="6858000"/>
+            <a:chOff x="0" y="0"/>
+            <a:chExt cx="4886768" cy="6858000"/>
+          </a:xfrm>
+        </p:grpSpPr>
+        <p:pic>
+          <p:nvPicPr>
+            <p:cNvPr id="6" name="Picture 5">
+              <a:extLst>
+                <a:ext uri="{FF2B5EF4-FFF2-40B4-BE49-F238E27FC236}">
+                  <a16:creationId xmlns:a16="http://schemas.microsoft.com/office/drawing/2014/main" id="{BC4C98AF-756C-4148-A6B8-B76AD999AF57}"/>
+                </a:ext>
+              </a:extLst>
+            </p:cNvPr>
+            <p:cNvPicPr>
+              <a:picLocks noChangeAspect="1"/>
+            </p:cNvPicPr>
+            <p:nvPr/>
+          </p:nvPicPr>
+          <p:blipFill>
+            <a:blip r:embed="rId2"/>
+            <a:stretch>
+              <a:fillRect/>
+            </a:stretch>
+          </p:blipFill>
+          <p:spPr>
+            <a:xfrm>
+              <a:off x="0" y="0"/>
+              <a:ext cx="4886768" cy="6858000"/>
+            </a:xfrm>
+            <a:prstGeom prst="rect">
+              <a:avLst/>
+            </a:prstGeom>
+          </p:spPr>
+        </p:pic>
+        <p:pic>
+          <p:nvPicPr>
+            <p:cNvPr id="23" name="Picture 22">
+              <a:extLst>
+                <a:ext uri="{FF2B5EF4-FFF2-40B4-BE49-F238E27FC236}">
+                  <a16:creationId xmlns:a16="http://schemas.microsoft.com/office/drawing/2014/main" id="{F65FD7B3-8C14-AC41-B791-A081961C4D4C}"/>
+                </a:ext>
+              </a:extLst>
+            </p:cNvPr>
+            <p:cNvPicPr>
+              <a:picLocks noChangeAspect="1"/>
+            </p:cNvPicPr>
+            <p:nvPr/>
+          </p:nvPicPr>
+          <p:blipFill rotWithShape="1">
+            <a:blip r:embed="rId3"/>
+            <a:srcRect l="68793" t="84837"/>
+            <a:stretch/>
+          </p:blipFill>
+          <p:spPr>
+            <a:xfrm>
+              <a:off x="3361765" y="5818094"/>
+              <a:ext cx="1525003" cy="1039906"/>
+            </a:xfrm>
+            <a:prstGeom prst="rect">
+              <a:avLst/>
+            </a:prstGeom>
+          </p:spPr>
+        </p:pic>
+        <p:pic>
+          <p:nvPicPr>
+            <p:cNvPr id="25" name="Picture 24">
+              <a:extLst>
+                <a:ext uri="{FF2B5EF4-FFF2-40B4-BE49-F238E27FC236}">
+                  <a16:creationId xmlns:a16="http://schemas.microsoft.com/office/drawing/2014/main" id="{066CC51D-9B26-914E-BD6F-06E5F8FA57EA}"/>
+                </a:ext>
+              </a:extLst>
+            </p:cNvPr>
+            <p:cNvPicPr>
+              <a:picLocks noChangeAspect="1"/>
+            </p:cNvPicPr>
+            <p:nvPr/>
+          </p:nvPicPr>
+          <p:blipFill>
+            <a:blip r:embed="rId4"/>
+            <a:stretch>
+              <a:fillRect/>
+            </a:stretch>
+          </p:blipFill>
+          <p:spPr>
+            <a:xfrm>
+              <a:off x="1970786" y="2543554"/>
+              <a:ext cx="2915982" cy="1416334"/>
+            </a:xfrm>
+            <a:prstGeom prst="rect">
+              <a:avLst/>
+            </a:prstGeom>
+          </p:spPr>
+        </p:pic>
+        <p:cxnSp>
+          <p:nvCxnSpPr>
+            <p:cNvPr id="22" name="Straight Arrow Connector 21">
+              <a:extLst>
+                <a:ext uri="{FF2B5EF4-FFF2-40B4-BE49-F238E27FC236}">
+                  <a16:creationId xmlns:a16="http://schemas.microsoft.com/office/drawing/2014/main" id="{F1B233C3-F024-F440-8021-27A3F1D30A24}"/>
+                </a:ext>
+              </a:extLst>
+            </p:cNvPr>
+            <p:cNvCxnSpPr>
+              <a:cxnSpLocks/>
+            </p:cNvCxnSpPr>
+            <p:nvPr/>
+          </p:nvCxnSpPr>
+          <p:spPr>
+            <a:xfrm>
+              <a:off x="2832848" y="1470212"/>
+              <a:ext cx="349623" cy="1425388"/>
+            </a:xfrm>
+            <a:prstGeom prst="straightConnector1">
+              <a:avLst/>
+            </a:prstGeom>
+            <a:ln w="31750">
+              <a:solidFill>
+                <a:srgbClr val="0432FF"/>
+              </a:solidFill>
+              <a:tailEnd type="triangle"/>
+            </a:ln>
+          </p:spPr>
+          <p:style>
+            <a:lnRef idx="1">
+              <a:schemeClr val="accent1"/>
+            </a:lnRef>
+            <a:fillRef idx="0">
+              <a:schemeClr val="accent1"/>
+            </a:fillRef>
+            <a:effectRef idx="0">
+              <a:schemeClr val="accent1"/>
+            </a:effectRef>
+            <a:fontRef idx="minor">
+              <a:schemeClr val="tx1"/>
+            </a:fontRef>
+          </p:style>
+        </p:cxnSp>
+        <p:cxnSp>
+          <p:nvCxnSpPr>
+            <p:cNvPr id="19" name="Straight Arrow Connector 18">
+              <a:extLst>
+                <a:ext uri="{FF2B5EF4-FFF2-40B4-BE49-F238E27FC236}">
+                  <a16:creationId xmlns:a16="http://schemas.microsoft.com/office/drawing/2014/main" id="{7559DF7F-1A7A-6E4E-BF02-8925466C305A}"/>
+                </a:ext>
+              </a:extLst>
+            </p:cNvPr>
+            <p:cNvCxnSpPr>
+              <a:cxnSpLocks/>
+            </p:cNvCxnSpPr>
+            <p:nvPr/>
+          </p:nvCxnSpPr>
+          <p:spPr>
+            <a:xfrm flipH="1" flipV="1">
+              <a:off x="3119718" y="3532094"/>
+              <a:ext cx="1032408" cy="3148629"/>
+            </a:xfrm>
+            <a:prstGeom prst="straightConnector1">
+              <a:avLst/>
+            </a:prstGeom>
+            <a:ln w="31750">
+              <a:solidFill>
+                <a:srgbClr val="FF0000"/>
+              </a:solidFill>
+              <a:tailEnd type="triangle"/>
+            </a:ln>
+          </p:spPr>
+          <p:style>
+            <a:lnRef idx="1">
+              <a:schemeClr val="accent1"/>
+            </a:lnRef>
+            <a:fillRef idx="0">
+              <a:schemeClr val="accent1"/>
+            </a:fillRef>
+            <a:effectRef idx="0">
+              <a:schemeClr val="accent1"/>
+            </a:effectRef>
+            <a:fontRef idx="minor">
+              <a:schemeClr val="tx1"/>
+            </a:fontRef>
+          </p:style>
+        </p:cxnSp>
+      </p:grpSp>
+    </p:spTree>
+    <p:extLst>
+      <p:ext uri="{BB962C8B-B14F-4D97-AF65-F5344CB8AC3E}">
+        <p14:creationId xmlns:p14="http://schemas.microsoft.com/office/powerpoint/2010/main" val="439640802"/>
+      </p:ext>
+    </p:extLst>
+  </p:cSld>
+  <p:clrMapOvr>
+    <a:masterClrMapping/>
+  </p:clrMapOvr>
+</p:sld>
+</file>
+
+<file path=ppt/slides/slide3.xml><?xml version="1.0" encoding="utf-8"?>
+<p:sld xmlns:a="http://schemas.openxmlformats.org/drawingml/2006/main" xmlns:r="http://schemas.openxmlformats.org/officeDocument/2006/relationships" xmlns:p="http://schemas.openxmlformats.org/presentationml/2006/main">
+  <p:cSld>
+    <p:spTree>
+      <p:nvGrpSpPr>
+        <p:cNvPr id="1" name=""/>
+        <p:cNvGrpSpPr/>
+        <p:nvPr/>
+      </p:nvGrpSpPr>
+      <p:grpSpPr>
+        <a:xfrm>
+          <a:off x="0" y="0"/>
+          <a:ext cx="0" cy="0"/>
+          <a:chOff x="0" y="0"/>
+          <a:chExt cx="0" cy="0"/>
+        </a:xfrm>
+      </p:grpSpPr>
+      <p:grpSp>
+        <p:nvGrpSpPr>
+          <p:cNvPr id="11" name="Group 10">
+            <a:extLst>
+              <a:ext uri="{FF2B5EF4-FFF2-40B4-BE49-F238E27FC236}">
+                <a16:creationId xmlns:a16="http://schemas.microsoft.com/office/drawing/2014/main" id="{F3249AE3-A636-1640-B69E-A8099E1E0720}"/>
+              </a:ext>
+            </a:extLst>
+          </p:cNvPr>
+          <p:cNvGrpSpPr/>
+          <p:nvPr/>
+        </p:nvGrpSpPr>
+        <p:grpSpPr>
+          <a:xfrm>
+            <a:off x="910771" y="1514021"/>
+            <a:ext cx="4285503" cy="3829957"/>
+            <a:chOff x="910771" y="1514021"/>
+            <a:chExt cx="4285503" cy="3829957"/>
+          </a:xfrm>
+        </p:grpSpPr>
+        <p:pic>
+          <p:nvPicPr>
+            <p:cNvPr id="6" name="Picture 5">
+              <a:extLst>
+                <a:ext uri="{FF2B5EF4-FFF2-40B4-BE49-F238E27FC236}">
+                  <a16:creationId xmlns:a16="http://schemas.microsoft.com/office/drawing/2014/main" id="{2961BEAD-A95C-114C-82B8-529BCA70723E}"/>
+                </a:ext>
+              </a:extLst>
+            </p:cNvPr>
+            <p:cNvPicPr>
+              <a:picLocks noChangeAspect="1"/>
+            </p:cNvPicPr>
+            <p:nvPr/>
+          </p:nvPicPr>
+          <p:blipFill>
+            <a:blip r:embed="rId2"/>
+            <a:stretch>
+              <a:fillRect/>
+            </a:stretch>
+          </p:blipFill>
+          <p:spPr>
+            <a:xfrm>
+              <a:off x="910771" y="1514021"/>
+              <a:ext cx="4285503" cy="3829957"/>
+            </a:xfrm>
+            <a:prstGeom prst="rect">
+              <a:avLst/>
+            </a:prstGeom>
+          </p:spPr>
+        </p:pic>
+        <p:sp>
+          <p:nvSpPr>
+            <p:cNvPr id="7" name="TextBox 6">
+              <a:extLst>
+                <a:ext uri="{FF2B5EF4-FFF2-40B4-BE49-F238E27FC236}">
+                  <a16:creationId xmlns:a16="http://schemas.microsoft.com/office/drawing/2014/main" id="{FA0CD94C-82D7-0E47-9B91-6D72AC1D7A61}"/>
+                </a:ext>
+              </a:extLst>
+            </p:cNvPr>
+            <p:cNvSpPr txBox="1"/>
+            <p:nvPr/>
+          </p:nvSpPr>
+          <p:spPr>
+            <a:xfrm>
+              <a:off x="3053522" y="4133461"/>
+              <a:ext cx="954107" cy="369332"/>
+            </a:xfrm>
+            <a:prstGeom prst="rect">
+              <a:avLst/>
+            </a:prstGeom>
+            <a:noFill/>
+          </p:spPr>
+          <p:txBody>
+            <a:bodyPr wrap="none" rtlCol="0">
+              <a:spAutoFit/>
+            </a:bodyPr>
+            <a:lstStyle/>
+            <a:p>
+              <a:r>
+                <a:rPr lang="en-US" dirty="0">
+                  <a:solidFill>
+                    <a:srgbClr val="FFFF00"/>
+                  </a:solidFill>
+                </a:rPr>
+                <a:t>CALANA</a:t>
+              </a:r>
+            </a:p>
+          </p:txBody>
+        </p:sp>
+        <p:sp>
+          <p:nvSpPr>
+            <p:cNvPr id="8" name="Rectangle 7">
+              <a:extLst>
+                <a:ext uri="{FF2B5EF4-FFF2-40B4-BE49-F238E27FC236}">
+                  <a16:creationId xmlns:a16="http://schemas.microsoft.com/office/drawing/2014/main" id="{83C3BA07-0F46-754F-80C6-D5FCCCD7C5BF}"/>
+                </a:ext>
+              </a:extLst>
+            </p:cNvPr>
+            <p:cNvSpPr/>
+            <p:nvPr/>
+          </p:nvSpPr>
+          <p:spPr>
+            <a:xfrm>
+              <a:off x="2168457" y="2639075"/>
+              <a:ext cx="1137043" cy="369332"/>
+            </a:xfrm>
+            <a:prstGeom prst="rect">
+              <a:avLst/>
+            </a:prstGeom>
+          </p:spPr>
+          <p:txBody>
+            <a:bodyPr wrap="none">
+              <a:spAutoFit/>
+            </a:bodyPr>
+            <a:lstStyle/>
+            <a:p>
+              <a:r>
+                <a:rPr lang="en-US" dirty="0">
+                  <a:solidFill>
+                    <a:srgbClr val="FFFF00"/>
+                  </a:solidFill>
+                </a:rPr>
+                <a:t>TARABAYA</a:t>
+              </a:r>
+            </a:p>
+          </p:txBody>
+        </p:sp>
+        <p:sp>
+          <p:nvSpPr>
+            <p:cNvPr id="9" name="Oval 8">
+              <a:extLst>
+                <a:ext uri="{FF2B5EF4-FFF2-40B4-BE49-F238E27FC236}">
+                  <a16:creationId xmlns:a16="http://schemas.microsoft.com/office/drawing/2014/main" id="{246D2742-3D63-EB43-A0BE-E253492C321C}"/>
+                </a:ext>
+              </a:extLst>
+            </p:cNvPr>
+            <p:cNvSpPr/>
+            <p:nvPr/>
+          </p:nvSpPr>
+          <p:spPr>
+            <a:xfrm>
+              <a:off x="3291984" y="2549420"/>
+              <a:ext cx="376702" cy="376702"/>
+            </a:xfrm>
+            <a:prstGeom prst="ellipse">
+              <a:avLst/>
+            </a:prstGeom>
+            <a:noFill/>
+            <a:ln w="38100">
+              <a:solidFill>
+                <a:srgbClr val="FFFF00"/>
+              </a:solidFill>
+            </a:ln>
+          </p:spPr>
+          <p:style>
+            <a:lnRef idx="2">
+              <a:schemeClr val="accent1">
+                <a:shade val="50000"/>
+              </a:schemeClr>
+            </a:lnRef>
+            <a:fillRef idx="1">
+              <a:schemeClr val="accent1"/>
+            </a:fillRef>
+            <a:effectRef idx="0">
+              <a:schemeClr val="accent1"/>
+            </a:effectRef>
+            <a:fontRef idx="minor">
+              <a:schemeClr val="lt1"/>
+            </a:fontRef>
+          </p:style>
+          <p:txBody>
+            <a:bodyPr rtlCol="0" anchor="ctr"/>
+            <a:lstStyle/>
+            <a:p>
+              <a:pPr algn="ctr"/>
+              <a:endParaRPr lang="en-US"/>
+            </a:p>
+          </p:txBody>
+        </p:sp>
+        <p:sp>
+          <p:nvSpPr>
+            <p:cNvPr id="10" name="Oval 9">
+              <a:extLst>
+                <a:ext uri="{FF2B5EF4-FFF2-40B4-BE49-F238E27FC236}">
+                  <a16:creationId xmlns:a16="http://schemas.microsoft.com/office/drawing/2014/main" id="{5BCF267A-8EEA-B34C-86F6-5E16B5D206B1}"/>
+                </a:ext>
+              </a:extLst>
+            </p:cNvPr>
+            <p:cNvSpPr/>
+            <p:nvPr/>
+          </p:nvSpPr>
+          <p:spPr>
+            <a:xfrm>
+              <a:off x="2750630" y="3799490"/>
+              <a:ext cx="376702" cy="376702"/>
+            </a:xfrm>
+            <a:prstGeom prst="ellipse">
+              <a:avLst/>
+            </a:prstGeom>
+            <a:noFill/>
+            <a:ln w="38100">
+              <a:solidFill>
+                <a:srgbClr val="FFFF00"/>
+              </a:solidFill>
+            </a:ln>
+          </p:spPr>
+          <p:style>
+            <a:lnRef idx="2">
+              <a:schemeClr val="accent1">
+                <a:shade val="50000"/>
+              </a:schemeClr>
+            </a:lnRef>
+            <a:fillRef idx="1">
+              <a:schemeClr val="accent1"/>
+            </a:fillRef>
+            <a:effectRef idx="0">
+              <a:schemeClr val="accent1"/>
+            </a:effectRef>
+            <a:fontRef idx="minor">
+              <a:schemeClr val="lt1"/>
+            </a:fontRef>
+          </p:style>
+          <p:txBody>
+            <a:bodyPr rtlCol="0" anchor="ctr"/>
+            <a:lstStyle/>
+            <a:p>
+              <a:pPr algn="ctr"/>
+              <a:endParaRPr lang="en-US"/>
+            </a:p>
+          </p:txBody>
+        </p:sp>
+      </p:grpSp>
+    </p:spTree>
+    <p:extLst>
+      <p:ext uri="{BB962C8B-B14F-4D97-AF65-F5344CB8AC3E}">
+        <p14:creationId xmlns:p14="http://schemas.microsoft.com/office/powerpoint/2010/main" val="524798284"/>
       </p:ext>
     </p:extLst>
   </p:cSld>
